--- a/slides/ANALYSIS_ON_IMMIGRATION_INTO_OECD_COUNTRIES.pptx
+++ b/slides/ANALYSIS_ON_IMMIGRATION_INTO_OECD_COUNTRIES.pptx
@@ -6,23 +6,25 @@
   </p:sldMasterIdLst>
   <p:sldIdLst>
     <p:sldId id="256" r:id="rId2"/>
-    <p:sldId id="263" r:id="rId3"/>
-    <p:sldId id="276" r:id="rId4"/>
-    <p:sldId id="280" r:id="rId5"/>
-    <p:sldId id="265" r:id="rId6"/>
-    <p:sldId id="257" r:id="rId7"/>
-    <p:sldId id="267" r:id="rId8"/>
-    <p:sldId id="258" r:id="rId9"/>
-    <p:sldId id="269" r:id="rId10"/>
-    <p:sldId id="259" r:id="rId11"/>
-    <p:sldId id="272" r:id="rId12"/>
-    <p:sldId id="260" r:id="rId13"/>
-    <p:sldId id="261" r:id="rId14"/>
-    <p:sldId id="262" r:id="rId15"/>
-    <p:sldId id="274" r:id="rId16"/>
-    <p:sldId id="270" r:id="rId17"/>
-    <p:sldId id="278" r:id="rId18"/>
-    <p:sldId id="279" r:id="rId19"/>
+    <p:sldId id="281" r:id="rId3"/>
+    <p:sldId id="263" r:id="rId4"/>
+    <p:sldId id="276" r:id="rId5"/>
+    <p:sldId id="280" r:id="rId6"/>
+    <p:sldId id="265" r:id="rId7"/>
+    <p:sldId id="257" r:id="rId8"/>
+    <p:sldId id="267" r:id="rId9"/>
+    <p:sldId id="258" r:id="rId10"/>
+    <p:sldId id="269" r:id="rId11"/>
+    <p:sldId id="259" r:id="rId12"/>
+    <p:sldId id="272" r:id="rId13"/>
+    <p:sldId id="260" r:id="rId14"/>
+    <p:sldId id="261" r:id="rId15"/>
+    <p:sldId id="262" r:id="rId16"/>
+    <p:sldId id="274" r:id="rId17"/>
+    <p:sldId id="270" r:id="rId18"/>
+    <p:sldId id="282" r:id="rId19"/>
+    <p:sldId id="278" r:id="rId20"/>
+    <p:sldId id="279" r:id="rId21"/>
   </p:sldIdLst>
   <p:sldSz cx="12192000" cy="6858000"/>
   <p:notesSz cx="6858000" cy="9144000"/>
@@ -5655,6 +5657,575 @@
           <a:chExt cx="0" cy="0"/>
         </a:xfrm>
       </p:grpSpPr>
+      <p:pic>
+        <p:nvPicPr>
+          <p:cNvPr id="5" name="Picture 4" descr="A hashtag sign with a blue background">
+            <a:extLst>
+              <a:ext uri="{FF2B5EF4-FFF2-40B4-BE49-F238E27FC236}">
+                <a16:creationId xmlns:a16="http://schemas.microsoft.com/office/drawing/2014/main" id="{1F1A800F-FAA7-DAB1-E1DE-6DB7A15A50A5}"/>
+              </a:ext>
+            </a:extLst>
+          </p:cNvPr>
+          <p:cNvPicPr>
+            <a:picLocks noChangeAspect="1"/>
+          </p:cNvPicPr>
+          <p:nvPr/>
+        </p:nvPicPr>
+        <p:blipFill rotWithShape="1">
+          <a:blip r:embed="rId2"/>
+          <a:srcRect t="16955" b="8045"/>
+          <a:stretch/>
+        </p:blipFill>
+        <p:spPr>
+          <a:xfrm>
+            <a:off x="3" y="10"/>
+            <a:ext cx="12191997" cy="6857988"/>
+          </a:xfrm>
+          <a:prstGeom prst="rect">
+            <a:avLst/>
+          </a:prstGeom>
+        </p:spPr>
+      </p:pic>
+      <p:grpSp>
+        <p:nvGrpSpPr>
+          <p:cNvPr id="9" name="Group 8">
+            <a:extLst>
+              <a:ext uri="{FF2B5EF4-FFF2-40B4-BE49-F238E27FC236}">
+                <a16:creationId xmlns:a16="http://schemas.microsoft.com/office/drawing/2014/main" id="{17F72E41-D8D7-F589-0125-D336DE2AF8BC}"/>
+              </a:ext>
+              <a:ext uri="{C183D7F6-B498-43B3-948B-1728B52AA6E4}">
+                <adec:decorative xmlns:adec="http://schemas.microsoft.com/office/drawing/2017/decorative" val="1"/>
+              </a:ext>
+            </a:extLst>
+          </p:cNvPr>
+          <p:cNvGrpSpPr>
+            <a:grpSpLocks noGrp="1" noUngrp="1" noRot="1" noChangeAspect="1" noMove="1" noResize="1"/>
+          </p:cNvGrpSpPr>
+          <p:nvPr>
+            <p:extLst>
+              <p:ext uri="{386F3935-93C4-4BCD-93E2-E3B085C9AB24}">
+                <p16:designElem xmlns:p16="http://schemas.microsoft.com/office/powerpoint/2015/main" val="1"/>
+              </p:ext>
+            </p:extLst>
+          </p:nvPr>
+        </p:nvGrpSpPr>
+        <p:grpSpPr>
+          <a:xfrm>
+            <a:off x="-14598" y="21736"/>
+            <a:ext cx="12206598" cy="6879745"/>
+            <a:chOff x="-14598" y="21736"/>
+            <a:chExt cx="12206598" cy="6879745"/>
+          </a:xfrm>
+        </p:grpSpPr>
+        <p:sp>
+          <p:nvSpPr>
+            <p:cNvPr id="10" name="Rectangle 9">
+              <a:extLst>
+                <a:ext uri="{FF2B5EF4-FFF2-40B4-BE49-F238E27FC236}">
+                  <a16:creationId xmlns:a16="http://schemas.microsoft.com/office/drawing/2014/main" id="{FC13EADE-3A56-21CF-6809-E58C7DDCBA55}"/>
+                </a:ext>
+                <a:ext uri="{C183D7F6-B498-43B3-948B-1728B52AA6E4}">
+                  <adec:decorative xmlns:adec="http://schemas.microsoft.com/office/drawing/2017/decorative" val="1"/>
+                </a:ext>
+              </a:extLst>
+            </p:cNvPr>
+            <p:cNvSpPr/>
+            <p:nvPr>
+              <p:extLst>
+                <p:ext uri="{386F3935-93C4-4BCD-93E2-E3B085C9AB24}">
+                  <p16:designElem xmlns:p16="http://schemas.microsoft.com/office/powerpoint/2015/main" val="1"/>
+                </p:ext>
+              </p:extLst>
+            </p:nvPr>
+          </p:nvSpPr>
+          <p:spPr>
+            <a:xfrm rot="16200000">
+              <a:off x="4578264" y="-733992"/>
+              <a:ext cx="3020876" cy="12206596"/>
+            </a:xfrm>
+            <a:prstGeom prst="rect">
+              <a:avLst/>
+            </a:prstGeom>
+            <a:gradFill flip="none" rotWithShape="1">
+              <a:gsLst>
+                <a:gs pos="21000">
+                  <a:srgbClr val="000000">
+                    <a:alpha val="62000"/>
+                  </a:srgbClr>
+                </a:gs>
+                <a:gs pos="100000">
+                  <a:srgbClr val="000000">
+                    <a:alpha val="0"/>
+                  </a:srgbClr>
+                </a:gs>
+              </a:gsLst>
+              <a:lin ang="0" scaled="0"/>
+              <a:tileRect/>
+            </a:gradFill>
+            <a:ln>
+              <a:noFill/>
+            </a:ln>
+          </p:spPr>
+          <p:style>
+            <a:lnRef idx="2">
+              <a:schemeClr val="accent1">
+                <a:shade val="50000"/>
+              </a:schemeClr>
+            </a:lnRef>
+            <a:fillRef idx="1">
+              <a:schemeClr val="accent1"/>
+            </a:fillRef>
+            <a:effectRef idx="0">
+              <a:schemeClr val="accent1"/>
+            </a:effectRef>
+            <a:fontRef idx="minor">
+              <a:schemeClr val="lt1"/>
+            </a:fontRef>
+          </p:style>
+          <p:txBody>
+            <a:bodyPr rtlCol="0" anchor="ctr"/>
+            <a:lstStyle/>
+            <a:p>
+              <a:pPr algn="ctr"/>
+              <a:endParaRPr lang="en-US"/>
+            </a:p>
+          </p:txBody>
+        </p:sp>
+        <p:sp>
+          <p:nvSpPr>
+            <p:cNvPr id="23" name="Rectangle 22">
+              <a:extLst>
+                <a:ext uri="{FF2B5EF4-FFF2-40B4-BE49-F238E27FC236}">
+                  <a16:creationId xmlns:a16="http://schemas.microsoft.com/office/drawing/2014/main" id="{8B1EA0F4-FEA8-8A8D-25F3-BCCDA3F4F85E}"/>
+                </a:ext>
+                <a:ext uri="{C183D7F6-B498-43B3-948B-1728B52AA6E4}">
+                  <adec:decorative xmlns:adec="http://schemas.microsoft.com/office/drawing/2017/decorative" val="1"/>
+                </a:ext>
+              </a:extLst>
+            </p:cNvPr>
+            <p:cNvSpPr/>
+            <p:nvPr>
+              <p:extLst>
+                <p:ext uri="{386F3935-93C4-4BCD-93E2-E3B085C9AB24}">
+                  <p16:designElem xmlns:p16="http://schemas.microsoft.com/office/powerpoint/2015/main" val="1"/>
+                </p:ext>
+              </p:extLst>
+            </p:nvPr>
+          </p:nvSpPr>
+          <p:spPr>
+            <a:xfrm rot="10800000">
+              <a:off x="0" y="3832304"/>
+              <a:ext cx="12192000" cy="3055057"/>
+            </a:xfrm>
+            <a:prstGeom prst="rect">
+              <a:avLst/>
+            </a:prstGeom>
+            <a:gradFill flip="none" rotWithShape="1">
+              <a:gsLst>
+                <a:gs pos="0">
+                  <a:schemeClr val="accent5"/>
+                </a:gs>
+                <a:gs pos="75000">
+                  <a:schemeClr val="accent5">
+                    <a:lumMod val="60000"/>
+                    <a:lumOff val="40000"/>
+                    <a:alpha val="0"/>
+                  </a:schemeClr>
+                </a:gs>
+              </a:gsLst>
+              <a:lin ang="5580000" scaled="0"/>
+              <a:tileRect/>
+            </a:gradFill>
+            <a:ln w="12700" cap="flat" cmpd="sng" algn="ctr">
+              <a:noFill/>
+              <a:prstDash val="solid"/>
+              <a:miter lim="800000"/>
+            </a:ln>
+            <a:effectLst/>
+          </p:spPr>
+          <p:style>
+            <a:lnRef idx="2">
+              <a:schemeClr val="accent1">
+                <a:shade val="50000"/>
+              </a:schemeClr>
+            </a:lnRef>
+            <a:fillRef idx="1">
+              <a:schemeClr val="accent1"/>
+            </a:fillRef>
+            <a:effectRef idx="0">
+              <a:schemeClr val="accent1"/>
+            </a:effectRef>
+            <a:fontRef idx="minor">
+              <a:schemeClr val="lt1"/>
+            </a:fontRef>
+          </p:style>
+          <p:txBody>
+            <a:bodyPr rtlCol="0" anchor="ctr"/>
+            <a:lstStyle/>
+            <a:p>
+              <a:pPr algn="r"/>
+              <a:endParaRPr lang="en-US"/>
+            </a:p>
+          </p:txBody>
+        </p:sp>
+        <p:sp>
+          <p:nvSpPr>
+            <p:cNvPr id="24" name="Rectangle 23">
+              <a:extLst>
+                <a:ext uri="{FF2B5EF4-FFF2-40B4-BE49-F238E27FC236}">
+                  <a16:creationId xmlns:a16="http://schemas.microsoft.com/office/drawing/2014/main" id="{DD3842CE-80A1-1110-8DDA-D6F18BE0C634}"/>
+                </a:ext>
+                <a:ext uri="{C183D7F6-B498-43B3-948B-1728B52AA6E4}">
+                  <adec:decorative xmlns:adec="http://schemas.microsoft.com/office/drawing/2017/decorative" val="1"/>
+                </a:ext>
+              </a:extLst>
+            </p:cNvPr>
+            <p:cNvSpPr/>
+            <p:nvPr>
+              <p:extLst>
+                <p:ext uri="{386F3935-93C4-4BCD-93E2-E3B085C9AB24}">
+                  <p16:designElem xmlns:p16="http://schemas.microsoft.com/office/powerpoint/2015/main" val="1"/>
+                </p:ext>
+              </p:extLst>
+            </p:nvPr>
+          </p:nvSpPr>
+          <p:spPr>
+            <a:xfrm rot="10800000">
+              <a:off x="7617204" y="1610686"/>
+              <a:ext cx="4574794" cy="5290794"/>
+            </a:xfrm>
+            <a:prstGeom prst="rect">
+              <a:avLst/>
+            </a:prstGeom>
+            <a:gradFill flip="none" rotWithShape="1">
+              <a:gsLst>
+                <a:gs pos="5000">
+                  <a:schemeClr val="accent2"/>
+                </a:gs>
+                <a:gs pos="49000">
+                  <a:schemeClr val="accent5">
+                    <a:lumMod val="60000"/>
+                    <a:lumOff val="40000"/>
+                    <a:alpha val="0"/>
+                  </a:schemeClr>
+                </a:gs>
+              </a:gsLst>
+              <a:lin ang="2400000" scaled="0"/>
+              <a:tileRect/>
+            </a:gradFill>
+            <a:ln>
+              <a:noFill/>
+            </a:ln>
+          </p:spPr>
+          <p:style>
+            <a:lnRef idx="2">
+              <a:schemeClr val="accent1">
+                <a:shade val="50000"/>
+              </a:schemeClr>
+            </a:lnRef>
+            <a:fillRef idx="1">
+              <a:schemeClr val="accent1"/>
+            </a:fillRef>
+            <a:effectRef idx="0">
+              <a:schemeClr val="accent1"/>
+            </a:effectRef>
+            <a:fontRef idx="minor">
+              <a:schemeClr val="lt1"/>
+            </a:fontRef>
+          </p:style>
+          <p:txBody>
+            <a:bodyPr rtlCol="0" anchor="ctr"/>
+            <a:lstStyle/>
+            <a:p>
+              <a:pPr algn="ctr"/>
+              <a:endParaRPr lang="en-US"/>
+            </a:p>
+          </p:txBody>
+        </p:sp>
+        <p:sp>
+          <p:nvSpPr>
+            <p:cNvPr id="25" name="Rectangle 24">
+              <a:extLst>
+                <a:ext uri="{FF2B5EF4-FFF2-40B4-BE49-F238E27FC236}">
+                  <a16:creationId xmlns:a16="http://schemas.microsoft.com/office/drawing/2014/main" id="{31C9318B-F00C-0365-EC3A-B46DF3523B6C}"/>
+                </a:ext>
+                <a:ext uri="{C183D7F6-B498-43B3-948B-1728B52AA6E4}">
+                  <adec:decorative xmlns:adec="http://schemas.microsoft.com/office/drawing/2017/decorative" val="1"/>
+                </a:ext>
+              </a:extLst>
+            </p:cNvPr>
+            <p:cNvSpPr/>
+            <p:nvPr>
+              <p:extLst>
+                <p:ext uri="{386F3935-93C4-4BCD-93E2-E3B085C9AB24}">
+                  <p16:designElem xmlns:p16="http://schemas.microsoft.com/office/powerpoint/2015/main" val="1"/>
+                </p:ext>
+              </p:extLst>
+            </p:nvPr>
+          </p:nvSpPr>
+          <p:spPr>
+            <a:xfrm rot="10800000">
+              <a:off x="-14597" y="21736"/>
+              <a:ext cx="3585523" cy="6879745"/>
+            </a:xfrm>
+            <a:prstGeom prst="rect">
+              <a:avLst/>
+            </a:prstGeom>
+            <a:gradFill flip="none" rotWithShape="1">
+              <a:gsLst>
+                <a:gs pos="5000">
+                  <a:schemeClr val="accent2"/>
+                </a:gs>
+                <a:gs pos="49000">
+                  <a:schemeClr val="accent5">
+                    <a:lumMod val="60000"/>
+                    <a:lumOff val="40000"/>
+                    <a:alpha val="0"/>
+                  </a:schemeClr>
+                </a:gs>
+              </a:gsLst>
+              <a:lin ang="9600000" scaled="0"/>
+              <a:tileRect/>
+            </a:gradFill>
+            <a:ln>
+              <a:noFill/>
+            </a:ln>
+          </p:spPr>
+          <p:style>
+            <a:lnRef idx="2">
+              <a:schemeClr val="accent1">
+                <a:shade val="50000"/>
+              </a:schemeClr>
+            </a:lnRef>
+            <a:fillRef idx="1">
+              <a:schemeClr val="accent1"/>
+            </a:fillRef>
+            <a:effectRef idx="0">
+              <a:schemeClr val="accent1"/>
+            </a:effectRef>
+            <a:fontRef idx="minor">
+              <a:schemeClr val="lt1"/>
+            </a:fontRef>
+          </p:style>
+          <p:txBody>
+            <a:bodyPr rtlCol="0" anchor="ctr"/>
+            <a:lstStyle/>
+            <a:p>
+              <a:pPr algn="ctr"/>
+              <a:endParaRPr lang="en-US"/>
+            </a:p>
+          </p:txBody>
+        </p:sp>
+        <p:sp>
+          <p:nvSpPr>
+            <p:cNvPr id="26" name="Rectangle 25">
+              <a:extLst>
+                <a:ext uri="{FF2B5EF4-FFF2-40B4-BE49-F238E27FC236}">
+                  <a16:creationId xmlns:a16="http://schemas.microsoft.com/office/drawing/2014/main" id="{7E92A2C8-D25D-5522-FFDD-CF5793AEFC7F}"/>
+                </a:ext>
+                <a:ext uri="{C183D7F6-B498-43B3-948B-1728B52AA6E4}">
+                  <adec:decorative xmlns:adec="http://schemas.microsoft.com/office/drawing/2017/decorative" val="1"/>
+                </a:ext>
+              </a:extLst>
+            </p:cNvPr>
+            <p:cNvSpPr/>
+            <p:nvPr>
+              <p:extLst>
+                <p:ext uri="{386F3935-93C4-4BCD-93E2-E3B085C9AB24}">
+                  <p16:designElem xmlns:p16="http://schemas.microsoft.com/office/powerpoint/2015/main" val="1"/>
+                </p:ext>
+              </p:extLst>
+            </p:nvPr>
+          </p:nvSpPr>
+          <p:spPr>
+            <a:xfrm rot="5400000">
+              <a:off x="806026" y="1712428"/>
+              <a:ext cx="4354310" cy="5995557"/>
+            </a:xfrm>
+            <a:prstGeom prst="rect">
+              <a:avLst/>
+            </a:prstGeom>
+            <a:gradFill flip="none" rotWithShape="1">
+              <a:gsLst>
+                <a:gs pos="0">
+                  <a:schemeClr val="accent5">
+                    <a:lumMod val="60000"/>
+                    <a:lumOff val="40000"/>
+                  </a:schemeClr>
+                </a:gs>
+                <a:gs pos="54000">
+                  <a:schemeClr val="accent2">
+                    <a:alpha val="0"/>
+                  </a:schemeClr>
+                </a:gs>
+              </a:gsLst>
+              <a:path path="circle">
+                <a:fillToRect l="100000" t="100000"/>
+              </a:path>
+              <a:tileRect r="-100000" b="-100000"/>
+            </a:gradFill>
+            <a:ln>
+              <a:noFill/>
+            </a:ln>
+          </p:spPr>
+          <p:style>
+            <a:lnRef idx="2">
+              <a:schemeClr val="accent1">
+                <a:shade val="50000"/>
+              </a:schemeClr>
+            </a:lnRef>
+            <a:fillRef idx="1">
+              <a:schemeClr val="accent1"/>
+            </a:fillRef>
+            <a:effectRef idx="0">
+              <a:schemeClr val="accent1"/>
+            </a:effectRef>
+            <a:fontRef idx="minor">
+              <a:schemeClr val="lt1"/>
+            </a:fontRef>
+          </p:style>
+          <p:txBody>
+            <a:bodyPr rtlCol="0" anchor="ctr"/>
+            <a:lstStyle/>
+            <a:p>
+              <a:pPr algn="ctr"/>
+              <a:endParaRPr lang="en-US"/>
+            </a:p>
+          </p:txBody>
+        </p:sp>
+      </p:grpSp>
+      <p:sp>
+        <p:nvSpPr>
+          <p:cNvPr id="2" name="Title 1">
+            <a:extLst>
+              <a:ext uri="{FF2B5EF4-FFF2-40B4-BE49-F238E27FC236}">
+                <a16:creationId xmlns:a16="http://schemas.microsoft.com/office/drawing/2014/main" id="{E1A39C8A-2589-9783-EEEA-739D04A3F92A}"/>
+              </a:ext>
+            </a:extLst>
+          </p:cNvPr>
+          <p:cNvSpPr>
+            <a:spLocks noGrp="1"/>
+          </p:cNvSpPr>
+          <p:nvPr>
+            <p:ph type="title"/>
+          </p:nvPr>
+        </p:nvSpPr>
+        <p:spPr>
+          <a:xfrm>
+            <a:off x="838200" y="4693447"/>
+            <a:ext cx="10141040" cy="1126109"/>
+          </a:xfrm>
+        </p:spPr>
+        <p:txBody>
+          <a:bodyPr vert="horz" lIns="91440" tIns="45720" rIns="91440" bIns="45720" rtlCol="0" anchor="b">
+            <a:noAutofit/>
+          </a:bodyPr>
+          <a:lstStyle/>
+          <a:p>
+            <a:r>
+              <a:rPr lang="en-US" sz="8800" dirty="0">
+                <a:solidFill>
+                  <a:srgbClr val="FFFFFF"/>
+                </a:solidFill>
+              </a:rPr>
+              <a:t>Three</a:t>
+            </a:r>
+          </a:p>
+        </p:txBody>
+      </p:sp>
+      <p:sp>
+        <p:nvSpPr>
+          <p:cNvPr id="3" name="Text Placeholder 2">
+            <a:extLst>
+              <a:ext uri="{FF2B5EF4-FFF2-40B4-BE49-F238E27FC236}">
+                <a16:creationId xmlns:a16="http://schemas.microsoft.com/office/drawing/2014/main" id="{CBB25501-51A8-D2F2-1B6E-73220BF9115C}"/>
+              </a:ext>
+            </a:extLst>
+          </p:cNvPr>
+          <p:cNvSpPr>
+            <a:spLocks noGrp="1"/>
+          </p:cNvSpPr>
+          <p:nvPr>
+            <p:ph type="body" idx="1"/>
+          </p:nvPr>
+        </p:nvSpPr>
+        <p:spPr>
+          <a:xfrm>
+            <a:off x="838200" y="5829303"/>
+            <a:ext cx="10141040" cy="476251"/>
+          </a:xfrm>
+        </p:spPr>
+        <p:txBody>
+          <a:bodyPr vert="horz" lIns="91440" tIns="45720" rIns="91440" bIns="45720" rtlCol="0">
+            <a:normAutofit fontScale="92500" lnSpcReduction="10000"/>
+          </a:bodyPr>
+          <a:lstStyle/>
+          <a:p>
+            <a:r>
+              <a:rPr lang="en-US" sz="3200" dirty="0">
+                <a:solidFill>
+                  <a:srgbClr val="CCCCCC"/>
+                </a:solidFill>
+              </a:rPr>
+              <a:t>N</a:t>
+            </a:r>
+            <a:r>
+              <a:rPr lang="en-US" sz="3200" b="0" dirty="0">
+                <a:solidFill>
+                  <a:srgbClr val="CCCCCC"/>
+                </a:solidFill>
+                <a:effectLst/>
+              </a:rPr>
+              <a:t>ationality acquisition rates for the years 2010-2020?</a:t>
+            </a:r>
+          </a:p>
+          <a:p>
+            <a:endParaRPr lang="en-US" sz="2000" dirty="0">
+              <a:solidFill>
+                <a:srgbClr val="FFFFFF"/>
+              </a:solidFill>
+            </a:endParaRPr>
+          </a:p>
+        </p:txBody>
+      </p:sp>
+    </p:spTree>
+    <p:extLst>
+      <p:ext uri="{BB962C8B-B14F-4D97-AF65-F5344CB8AC3E}">
+        <p14:creationId xmlns:p14="http://schemas.microsoft.com/office/powerpoint/2010/main" val="3111246558"/>
+      </p:ext>
+    </p:extLst>
+  </p:cSld>
+  <p:clrMapOvr>
+    <a:masterClrMapping/>
+  </p:clrMapOvr>
+</p:sld>
+</file>
+
+<file path=ppt/slides/slide11.xml><?xml version="1.0" encoding="utf-8"?>
+<p:sld xmlns:a="http://schemas.openxmlformats.org/drawingml/2006/main" xmlns:r="http://schemas.openxmlformats.org/officeDocument/2006/relationships" xmlns:p="http://schemas.openxmlformats.org/presentationml/2006/main">
+  <p:cSld>
+    <p:bg>
+      <p:bgPr>
+        <a:solidFill>
+          <a:schemeClr val="bg1"/>
+        </a:solidFill>
+        <a:effectLst/>
+      </p:bgPr>
+    </p:bg>
+    <p:spTree>
+      <p:nvGrpSpPr>
+        <p:cNvPr id="1" name=""/>
+        <p:cNvGrpSpPr/>
+        <p:nvPr/>
+      </p:nvGrpSpPr>
+      <p:grpSpPr>
+        <a:xfrm>
+          <a:off x="0" y="0"/>
+          <a:ext cx="0" cy="0"/>
+          <a:chOff x="0" y="0"/>
+          <a:chExt cx="0" cy="0"/>
+        </a:xfrm>
+      </p:grpSpPr>
       <p:sp>
         <p:nvSpPr>
           <p:cNvPr id="8" name="Rectangle 7">
@@ -6141,7 +6712,7 @@
 </p:sld>
 </file>
 
-<file path=ppt/slides/slide11.xml><?xml version="1.0" encoding="utf-8"?>
+<file path=ppt/slides/slide12.xml><?xml version="1.0" encoding="utf-8"?>
 <p:sld xmlns:a="http://schemas.openxmlformats.org/drawingml/2006/main" xmlns:r="http://schemas.openxmlformats.org/officeDocument/2006/relationships" xmlns:p="http://schemas.openxmlformats.org/presentationml/2006/main">
   <p:cSld>
     <p:bg>
@@ -6410,7 +6981,7 @@
 </p:sld>
 </file>
 
-<file path=ppt/slides/slide12.xml><?xml version="1.0" encoding="utf-8"?>
+<file path=ppt/slides/slide13.xml><?xml version="1.0" encoding="utf-8"?>
 <p:sld xmlns:a="http://schemas.openxmlformats.org/drawingml/2006/main" xmlns:r="http://schemas.openxmlformats.org/officeDocument/2006/relationships" xmlns:p="http://schemas.openxmlformats.org/presentationml/2006/main">
   <p:cSld>
     <p:bg>
@@ -6891,7 +7462,7 @@
 </p:sld>
 </file>
 
-<file path=ppt/slides/slide13.xml><?xml version="1.0" encoding="utf-8"?>
+<file path=ppt/slides/slide14.xml><?xml version="1.0" encoding="utf-8"?>
 <p:sld xmlns:a="http://schemas.openxmlformats.org/drawingml/2006/main" xmlns:r="http://schemas.openxmlformats.org/officeDocument/2006/relationships" xmlns:p="http://schemas.openxmlformats.org/presentationml/2006/main">
   <p:cSld>
     <p:bg>
@@ -7517,7 +8088,7 @@
 </p:sld>
 </file>
 
-<file path=ppt/slides/slide14.xml><?xml version="1.0" encoding="utf-8"?>
+<file path=ppt/slides/slide15.xml><?xml version="1.0" encoding="utf-8"?>
 <p:sld xmlns:a="http://schemas.openxmlformats.org/drawingml/2006/main" xmlns:r="http://schemas.openxmlformats.org/officeDocument/2006/relationships" xmlns:p="http://schemas.openxmlformats.org/presentationml/2006/main">
   <p:cSld>
     <p:bg>
@@ -7998,7 +8569,7 @@
 </p:sld>
 </file>
 
-<file path=ppt/slides/slide15.xml><?xml version="1.0" encoding="utf-8"?>
+<file path=ppt/slides/slide16.xml><?xml version="1.0" encoding="utf-8"?>
 <p:sld xmlns:a="http://schemas.openxmlformats.org/drawingml/2006/main" xmlns:r="http://schemas.openxmlformats.org/officeDocument/2006/relationships" xmlns:p="http://schemas.openxmlformats.org/presentationml/2006/main">
   <p:cSld>
     <p:bg>
@@ -8686,7 +9257,7 @@
 </p:sld>
 </file>
 
-<file path=ppt/slides/slide16.xml><?xml version="1.0" encoding="utf-8"?>
+<file path=ppt/slides/slide17.xml><?xml version="1.0" encoding="utf-8"?>
 <p:sld xmlns:a="http://schemas.openxmlformats.org/drawingml/2006/main" xmlns:r="http://schemas.openxmlformats.org/officeDocument/2006/relationships" xmlns:p="http://schemas.openxmlformats.org/presentationml/2006/main">
   <p:cSld>
     <p:bg>
@@ -9167,7 +9738,427 @@
 </p:sld>
 </file>
 
-<file path=ppt/slides/slide17.xml><?xml version="1.0" encoding="utf-8"?>
+<file path=ppt/slides/slide18.xml><?xml version="1.0" encoding="utf-8"?>
+<p:sld xmlns:a="http://schemas.openxmlformats.org/drawingml/2006/main" xmlns:r="http://schemas.openxmlformats.org/officeDocument/2006/relationships" xmlns:p="http://schemas.openxmlformats.org/presentationml/2006/main">
+  <p:cSld>
+    <p:bg>
+      <p:bgPr>
+        <a:solidFill>
+          <a:schemeClr val="bg1"/>
+        </a:solidFill>
+        <a:effectLst/>
+      </p:bgPr>
+    </p:bg>
+    <p:spTree>
+      <p:nvGrpSpPr>
+        <p:cNvPr id="1" name=""/>
+        <p:cNvGrpSpPr/>
+        <p:nvPr/>
+      </p:nvGrpSpPr>
+      <p:grpSpPr>
+        <a:xfrm>
+          <a:off x="0" y="0"/>
+          <a:ext cx="0" cy="0"/>
+          <a:chOff x="0" y="0"/>
+          <a:chExt cx="0" cy="0"/>
+        </a:xfrm>
+      </p:grpSpPr>
+      <p:sp>
+        <p:nvSpPr>
+          <p:cNvPr id="12" name="Rectangle 11">
+            <a:extLst>
+              <a:ext uri="{FF2B5EF4-FFF2-40B4-BE49-F238E27FC236}">
+                <a16:creationId xmlns:a16="http://schemas.microsoft.com/office/drawing/2014/main" id="{281EB602-B3EF-172C-DB71-6CC76D83AFBE}"/>
+              </a:ext>
+              <a:ext uri="{C183D7F6-B498-43B3-948B-1728B52AA6E4}">
+                <adec:decorative xmlns:adec="http://schemas.microsoft.com/office/drawing/2017/decorative" val="1"/>
+              </a:ext>
+            </a:extLst>
+          </p:cNvPr>
+          <p:cNvSpPr>
+            <a:spLocks noGrp="1" noRot="1" noChangeAspect="1" noMove="1" noResize="1" noEditPoints="1" noAdjustHandles="1" noChangeArrowheads="1" noChangeShapeType="1" noTextEdit="1"/>
+          </p:cNvSpPr>
+          <p:nvPr>
+            <p:extLst>
+              <p:ext uri="{386F3935-93C4-4BCD-93E2-E3B085C9AB24}">
+                <p16:designElem xmlns:p16="http://schemas.microsoft.com/office/powerpoint/2015/main" val="1"/>
+              </p:ext>
+            </p:extLst>
+          </p:nvPr>
+        </p:nvSpPr>
+        <p:spPr>
+          <a:xfrm rot="10800000">
+            <a:off x="0" y="0"/>
+            <a:ext cx="7042468" cy="6858847"/>
+          </a:xfrm>
+          <a:prstGeom prst="rect">
+            <a:avLst/>
+          </a:prstGeom>
+          <a:gradFill>
+            <a:gsLst>
+              <a:gs pos="0">
+                <a:schemeClr val="accent5"/>
+              </a:gs>
+              <a:gs pos="100000">
+                <a:schemeClr val="accent2"/>
+              </a:gs>
+            </a:gsLst>
+            <a:lin ang="4200000" scaled="0"/>
+          </a:gradFill>
+          <a:ln>
+            <a:noFill/>
+          </a:ln>
+        </p:spPr>
+        <p:style>
+          <a:lnRef idx="2">
+            <a:schemeClr val="accent1">
+              <a:shade val="50000"/>
+            </a:schemeClr>
+          </a:lnRef>
+          <a:fillRef idx="1">
+            <a:schemeClr val="accent1"/>
+          </a:fillRef>
+          <a:effectRef idx="0">
+            <a:schemeClr val="accent1"/>
+          </a:effectRef>
+          <a:fontRef idx="minor">
+            <a:schemeClr val="lt1"/>
+          </a:fontRef>
+        </p:style>
+        <p:txBody>
+          <a:bodyPr rtlCol="0" anchor="ctr"/>
+          <a:lstStyle/>
+          <a:p>
+            <a:pPr algn="ctr"/>
+            <a:endParaRPr lang="en-US"/>
+          </a:p>
+        </p:txBody>
+      </p:sp>
+      <p:sp>
+        <p:nvSpPr>
+          <p:cNvPr id="14" name="Rectangle 13">
+            <a:extLst>
+              <a:ext uri="{FF2B5EF4-FFF2-40B4-BE49-F238E27FC236}">
+                <a16:creationId xmlns:a16="http://schemas.microsoft.com/office/drawing/2014/main" id="{D7739538-A9CC-0495-611A-FC1E05A71E71}"/>
+              </a:ext>
+              <a:ext uri="{C183D7F6-B498-43B3-948B-1728B52AA6E4}">
+                <adec:decorative xmlns:adec="http://schemas.microsoft.com/office/drawing/2017/decorative" val="1"/>
+              </a:ext>
+            </a:extLst>
+          </p:cNvPr>
+          <p:cNvSpPr>
+            <a:spLocks noGrp="1" noRot="1" noChangeAspect="1" noMove="1" noResize="1" noEditPoints="1" noAdjustHandles="1" noChangeArrowheads="1" noChangeShapeType="1" noTextEdit="1"/>
+          </p:cNvSpPr>
+          <p:nvPr>
+            <p:extLst>
+              <p:ext uri="{386F3935-93C4-4BCD-93E2-E3B085C9AB24}">
+                <p16:designElem xmlns:p16="http://schemas.microsoft.com/office/powerpoint/2015/main" val="1"/>
+              </p:ext>
+            </p:extLst>
+          </p:nvPr>
+        </p:nvSpPr>
+        <p:spPr>
+          <a:xfrm>
+            <a:off x="0" y="1785842"/>
+            <a:ext cx="7042468" cy="5073386"/>
+          </a:xfrm>
+          <a:prstGeom prst="rect">
+            <a:avLst/>
+          </a:prstGeom>
+          <a:gradFill flip="none" rotWithShape="1">
+            <a:gsLst>
+              <a:gs pos="3000">
+                <a:schemeClr val="accent2"/>
+              </a:gs>
+              <a:gs pos="40000">
+                <a:schemeClr val="accent2">
+                  <a:alpha val="0"/>
+                </a:schemeClr>
+              </a:gs>
+            </a:gsLst>
+            <a:lin ang="17400000" scaled="0"/>
+            <a:tileRect/>
+          </a:gradFill>
+          <a:ln>
+            <a:noFill/>
+          </a:ln>
+        </p:spPr>
+        <p:style>
+          <a:lnRef idx="2">
+            <a:schemeClr val="accent1">
+              <a:shade val="50000"/>
+            </a:schemeClr>
+          </a:lnRef>
+          <a:fillRef idx="1">
+            <a:schemeClr val="accent1"/>
+          </a:fillRef>
+          <a:effectRef idx="0">
+            <a:schemeClr val="accent1"/>
+          </a:effectRef>
+          <a:fontRef idx="minor">
+            <a:schemeClr val="lt1"/>
+          </a:fontRef>
+        </p:style>
+        <p:txBody>
+          <a:bodyPr rtlCol="0" anchor="ctr"/>
+          <a:lstStyle/>
+          <a:p>
+            <a:pPr algn="ctr"/>
+            <a:endParaRPr lang="en-US"/>
+          </a:p>
+        </p:txBody>
+      </p:sp>
+      <p:sp>
+        <p:nvSpPr>
+          <p:cNvPr id="16" name="Rectangle 15">
+            <a:extLst>
+              <a:ext uri="{FF2B5EF4-FFF2-40B4-BE49-F238E27FC236}">
+                <a16:creationId xmlns:a16="http://schemas.microsoft.com/office/drawing/2014/main" id="{07C8FBA2-0111-985C-067B-6EEB34A5AF39}"/>
+              </a:ext>
+              <a:ext uri="{C183D7F6-B498-43B3-948B-1728B52AA6E4}">
+                <adec:decorative xmlns:adec="http://schemas.microsoft.com/office/drawing/2017/decorative" val="1"/>
+              </a:ext>
+            </a:extLst>
+          </p:cNvPr>
+          <p:cNvSpPr>
+            <a:spLocks noGrp="1" noRot="1" noChangeAspect="1" noMove="1" noResize="1" noEditPoints="1" noAdjustHandles="1" noChangeArrowheads="1" noChangeShapeType="1" noTextEdit="1"/>
+          </p:cNvSpPr>
+          <p:nvPr>
+            <p:extLst>
+              <p:ext uri="{386F3935-93C4-4BCD-93E2-E3B085C9AB24}">
+                <p16:designElem xmlns:p16="http://schemas.microsoft.com/office/powerpoint/2015/main" val="1"/>
+              </p:ext>
+            </p:extLst>
+          </p:nvPr>
+        </p:nvSpPr>
+        <p:spPr>
+          <a:xfrm>
+            <a:off x="-2" y="-380"/>
+            <a:ext cx="5443442" cy="6854193"/>
+          </a:xfrm>
+          <a:prstGeom prst="rect">
+            <a:avLst/>
+          </a:prstGeom>
+          <a:gradFill>
+            <a:gsLst>
+              <a:gs pos="0">
+                <a:schemeClr val="accent5">
+                  <a:alpha val="76000"/>
+                </a:schemeClr>
+              </a:gs>
+              <a:gs pos="46000">
+                <a:schemeClr val="accent2">
+                  <a:alpha val="0"/>
+                </a:schemeClr>
+              </a:gs>
+            </a:gsLst>
+            <a:lin ang="3600000" scaled="0"/>
+          </a:gradFill>
+          <a:ln>
+            <a:noFill/>
+          </a:ln>
+        </p:spPr>
+        <p:style>
+          <a:lnRef idx="2">
+            <a:schemeClr val="accent1">
+              <a:shade val="50000"/>
+            </a:schemeClr>
+          </a:lnRef>
+          <a:fillRef idx="1">
+            <a:schemeClr val="accent1"/>
+          </a:fillRef>
+          <a:effectRef idx="0">
+            <a:schemeClr val="accent1"/>
+          </a:effectRef>
+          <a:fontRef idx="minor">
+            <a:schemeClr val="lt1"/>
+          </a:fontRef>
+        </p:style>
+        <p:txBody>
+          <a:bodyPr rtlCol="0" anchor="ctr"/>
+          <a:lstStyle/>
+          <a:p>
+            <a:pPr algn="ctr"/>
+            <a:endParaRPr lang="en-US"/>
+          </a:p>
+        </p:txBody>
+      </p:sp>
+      <p:sp>
+        <p:nvSpPr>
+          <p:cNvPr id="18" name="Rectangle 17">
+            <a:extLst>
+              <a:ext uri="{FF2B5EF4-FFF2-40B4-BE49-F238E27FC236}">
+                <a16:creationId xmlns:a16="http://schemas.microsoft.com/office/drawing/2014/main" id="{353573F1-437D-2053-4E31-36508DA2058A}"/>
+              </a:ext>
+              <a:ext uri="{C183D7F6-B498-43B3-948B-1728B52AA6E4}">
+                <adec:decorative xmlns:adec="http://schemas.microsoft.com/office/drawing/2017/decorative" val="1"/>
+              </a:ext>
+            </a:extLst>
+          </p:cNvPr>
+          <p:cNvSpPr>
+            <a:spLocks noGrp="1" noRot="1" noChangeAspect="1" noMove="1" noResize="1" noEditPoints="1" noAdjustHandles="1" noChangeArrowheads="1" noChangeShapeType="1" noTextEdit="1"/>
+          </p:cNvSpPr>
+          <p:nvPr>
+            <p:extLst>
+              <p:ext uri="{386F3935-93C4-4BCD-93E2-E3B085C9AB24}">
+                <p16:designElem xmlns:p16="http://schemas.microsoft.com/office/powerpoint/2015/main" val="1"/>
+              </p:ext>
+            </p:extLst>
+          </p:nvPr>
+        </p:nvSpPr>
+        <p:spPr>
+          <a:xfrm rot="10800000">
+            <a:off x="2373467" y="26096"/>
+            <a:ext cx="4669002" cy="6827716"/>
+          </a:xfrm>
+          <a:prstGeom prst="rect">
+            <a:avLst/>
+          </a:prstGeom>
+          <a:gradFill flip="none" rotWithShape="1">
+            <a:gsLst>
+              <a:gs pos="0">
+                <a:schemeClr val="accent5">
+                  <a:lumMod val="75000"/>
+                  <a:alpha val="55000"/>
+                </a:schemeClr>
+              </a:gs>
+              <a:gs pos="45000">
+                <a:schemeClr val="accent5">
+                  <a:alpha val="0"/>
+                </a:schemeClr>
+              </a:gs>
+            </a:gsLst>
+            <a:lin ang="1800000" scaled="0"/>
+            <a:tileRect/>
+          </a:gradFill>
+          <a:ln w="12700" cap="flat" cmpd="sng" algn="ctr">
+            <a:noFill/>
+            <a:prstDash val="solid"/>
+            <a:miter lim="800000"/>
+          </a:ln>
+          <a:effectLst/>
+        </p:spPr>
+        <p:style>
+          <a:lnRef idx="2">
+            <a:schemeClr val="accent1">
+              <a:shade val="50000"/>
+            </a:schemeClr>
+          </a:lnRef>
+          <a:fillRef idx="1">
+            <a:schemeClr val="accent1"/>
+          </a:fillRef>
+          <a:effectRef idx="0">
+            <a:schemeClr val="accent1"/>
+          </a:effectRef>
+          <a:fontRef idx="minor">
+            <a:schemeClr val="lt1"/>
+          </a:fontRef>
+        </p:style>
+        <p:txBody>
+          <a:bodyPr rtlCol="0" anchor="ctr"/>
+          <a:lstStyle/>
+          <a:p>
+            <a:pPr algn="r"/>
+            <a:endParaRPr lang="en-US"/>
+          </a:p>
+        </p:txBody>
+      </p:sp>
+      <p:sp>
+        <p:nvSpPr>
+          <p:cNvPr id="2" name="Title 1">
+            <a:extLst>
+              <a:ext uri="{FF2B5EF4-FFF2-40B4-BE49-F238E27FC236}">
+                <a16:creationId xmlns:a16="http://schemas.microsoft.com/office/drawing/2014/main" id="{AA35FE7F-B9B8-D012-6518-F00923A837F4}"/>
+              </a:ext>
+            </a:extLst>
+          </p:cNvPr>
+          <p:cNvSpPr>
+            <a:spLocks noGrp="1"/>
+          </p:cNvSpPr>
+          <p:nvPr>
+            <p:ph type="title"/>
+          </p:nvPr>
+        </p:nvSpPr>
+        <p:spPr>
+          <a:xfrm>
+            <a:off x="1080930" y="1826565"/>
+            <a:ext cx="5584505" cy="2495970"/>
+          </a:xfrm>
+        </p:spPr>
+        <p:txBody>
+          <a:bodyPr vert="horz" lIns="91440" tIns="45720" rIns="91440" bIns="45720" rtlCol="0" anchor="b">
+            <a:noAutofit/>
+          </a:bodyPr>
+          <a:lstStyle/>
+          <a:p>
+            <a:pPr algn="ctr"/>
+            <a:r>
+              <a:rPr lang="en-US" sz="8800" kern="1200" dirty="0">
+                <a:solidFill>
+                  <a:srgbClr val="FFFFFF"/>
+                </a:solidFill>
+                <a:latin typeface="+mj-lt"/>
+                <a:ea typeface="+mj-ea"/>
+                <a:cs typeface="+mj-cs"/>
+              </a:rPr>
+              <a:t>Conclusions</a:t>
+            </a:r>
+          </a:p>
+        </p:txBody>
+      </p:sp>
+      <p:pic>
+        <p:nvPicPr>
+          <p:cNvPr id="7" name="Graphic 6" descr="Head with Gears">
+            <a:extLst>
+              <a:ext uri="{FF2B5EF4-FFF2-40B4-BE49-F238E27FC236}">
+                <a16:creationId xmlns:a16="http://schemas.microsoft.com/office/drawing/2014/main" id="{A3E33404-ED9E-B6CD-620F-B0A31D461720}"/>
+              </a:ext>
+            </a:extLst>
+          </p:cNvPr>
+          <p:cNvPicPr>
+            <a:picLocks noChangeAspect="1"/>
+          </p:cNvPicPr>
+          <p:nvPr/>
+        </p:nvPicPr>
+        <p:blipFill>
+          <a:blip r:embed="rId2">
+            <a:extLst>
+              <a:ext uri="{28A0092B-C50C-407E-A947-70E740481C1C}">
+                <a14:useLocalDpi xmlns:a14="http://schemas.microsoft.com/office/drawing/2010/main" val="0"/>
+              </a:ext>
+              <a:ext uri="{96DAC541-7B7A-43D3-8B79-37D633B846F1}">
+                <asvg:svgBlip xmlns:asvg="http://schemas.microsoft.com/office/drawing/2016/SVG/main" r:embed="rId3"/>
+              </a:ext>
+            </a:extLst>
+          </a:blip>
+          <a:stretch>
+            <a:fillRect/>
+          </a:stretch>
+        </p:blipFill>
+        <p:spPr>
+          <a:xfrm>
+            <a:off x="7907482" y="1724891"/>
+            <a:ext cx="3408218" cy="3408218"/>
+          </a:xfrm>
+          <a:prstGeom prst="rect">
+            <a:avLst/>
+          </a:prstGeom>
+        </p:spPr>
+      </p:pic>
+    </p:spTree>
+    <p:extLst>
+      <p:ext uri="{BB962C8B-B14F-4D97-AF65-F5344CB8AC3E}">
+        <p14:creationId xmlns:p14="http://schemas.microsoft.com/office/powerpoint/2010/main" val="175207871"/>
+      </p:ext>
+    </p:extLst>
+  </p:cSld>
+  <p:clrMapOvr>
+    <a:masterClrMapping/>
+  </p:clrMapOvr>
+</p:sld>
+</file>
+
+<file path=ppt/slides/slide19.xml><?xml version="1.0" encoding="utf-8"?>
 <p:sld xmlns:a="http://schemas.openxmlformats.org/drawingml/2006/main" xmlns:r="http://schemas.openxmlformats.org/officeDocument/2006/relationships" xmlns:p="http://schemas.openxmlformats.org/presentationml/2006/main">
   <p:cSld>
     <p:bg>
@@ -9961,7 +10952,225 @@
 </p:sld>
 </file>
 
-<file path=ppt/slides/slide18.xml><?xml version="1.0" encoding="utf-8"?>
+<file path=ppt/slides/slide2.xml><?xml version="1.0" encoding="utf-8"?>
+<p:sld xmlns:a="http://schemas.openxmlformats.org/drawingml/2006/main" xmlns:r="http://schemas.openxmlformats.org/officeDocument/2006/relationships" xmlns:p="http://schemas.openxmlformats.org/presentationml/2006/main">
+  <p:cSld>
+    <p:bg>
+      <p:bgPr>
+        <a:solidFill>
+          <a:schemeClr val="bg1"/>
+        </a:solidFill>
+        <a:effectLst/>
+      </p:bgPr>
+    </p:bg>
+    <p:spTree>
+      <p:nvGrpSpPr>
+        <p:cNvPr id="1" name=""/>
+        <p:cNvGrpSpPr/>
+        <p:nvPr/>
+      </p:nvGrpSpPr>
+      <p:grpSpPr>
+        <a:xfrm>
+          <a:off x="0" y="0"/>
+          <a:ext cx="0" cy="0"/>
+          <a:chOff x="0" y="0"/>
+          <a:chExt cx="0" cy="0"/>
+        </a:xfrm>
+      </p:grpSpPr>
+      <p:sp useBgFill="1">
+        <p:nvSpPr>
+          <p:cNvPr id="9" name="Rectangle 8">
+            <a:extLst>
+              <a:ext uri="{FF2B5EF4-FFF2-40B4-BE49-F238E27FC236}">
+                <a16:creationId xmlns:a16="http://schemas.microsoft.com/office/drawing/2014/main" id="{C1DD1A8A-57D5-4A81-AD04-532B043C5611}"/>
+              </a:ext>
+              <a:ext uri="{C183D7F6-B498-43B3-948B-1728B52AA6E4}">
+                <adec:decorative xmlns:adec="http://schemas.microsoft.com/office/drawing/2017/decorative" val="1"/>
+              </a:ext>
+            </a:extLst>
+          </p:cNvPr>
+          <p:cNvSpPr>
+            <a:spLocks noGrp="1" noRot="1" noChangeAspect="1" noMove="1" noResize="1" noEditPoints="1" noAdjustHandles="1" noChangeArrowheads="1" noChangeShapeType="1" noTextEdit="1"/>
+          </p:cNvSpPr>
+          <p:nvPr>
+            <p:extLst>
+              <p:ext uri="{386F3935-93C4-4BCD-93E2-E3B085C9AB24}">
+                <p16:designElem xmlns:p16="http://schemas.microsoft.com/office/powerpoint/2015/main" val="1"/>
+              </p:ext>
+            </p:extLst>
+          </p:nvPr>
+        </p:nvSpPr>
+        <p:spPr>
+          <a:xfrm>
+            <a:off x="-1" y="0"/>
+            <a:ext cx="12188952" cy="6858000"/>
+          </a:xfrm>
+          <a:prstGeom prst="rect">
+            <a:avLst/>
+          </a:prstGeom>
+          <a:ln>
+            <a:noFill/>
+          </a:ln>
+        </p:spPr>
+        <p:style>
+          <a:lnRef idx="2">
+            <a:schemeClr val="accent1">
+              <a:shade val="50000"/>
+            </a:schemeClr>
+          </a:lnRef>
+          <a:fillRef idx="1">
+            <a:schemeClr val="accent1"/>
+          </a:fillRef>
+          <a:effectRef idx="0">
+            <a:schemeClr val="accent1"/>
+          </a:effectRef>
+          <a:fontRef idx="minor">
+            <a:schemeClr val="lt1"/>
+          </a:fontRef>
+        </p:style>
+        <p:txBody>
+          <a:bodyPr rtlCol="0" anchor="ctr"/>
+          <a:lstStyle/>
+          <a:p>
+            <a:pPr algn="ctr"/>
+            <a:endParaRPr lang="en-US"/>
+          </a:p>
+        </p:txBody>
+      </p:sp>
+      <p:pic>
+        <p:nvPicPr>
+          <p:cNvPr id="5" name="Picture 4" descr="A person holding a globe">
+            <a:extLst>
+              <a:ext uri="{FF2B5EF4-FFF2-40B4-BE49-F238E27FC236}">
+                <a16:creationId xmlns:a16="http://schemas.microsoft.com/office/drawing/2014/main" id="{F640BAA5-6641-AA80-19FA-887289DD018E}"/>
+              </a:ext>
+            </a:extLst>
+          </p:cNvPr>
+          <p:cNvPicPr>
+            <a:picLocks noChangeAspect="1"/>
+          </p:cNvPicPr>
+          <p:nvPr/>
+        </p:nvPicPr>
+        <p:blipFill rotWithShape="1">
+          <a:blip r:embed="rId2"/>
+          <a:srcRect b="5462"/>
+          <a:stretch/>
+        </p:blipFill>
+        <p:spPr>
+          <a:xfrm>
+            <a:off x="-3048" y="10"/>
+            <a:ext cx="12191999" cy="6857990"/>
+          </a:xfrm>
+          <a:prstGeom prst="rect">
+            <a:avLst/>
+          </a:prstGeom>
+        </p:spPr>
+      </p:pic>
+      <p:sp>
+        <p:nvSpPr>
+          <p:cNvPr id="11" name="Rectangle 10">
+            <a:extLst>
+              <a:ext uri="{FF2B5EF4-FFF2-40B4-BE49-F238E27FC236}">
+                <a16:creationId xmlns:a16="http://schemas.microsoft.com/office/drawing/2014/main" id="{007891EC-4501-44ED-A8C8-B11B6DB767AB}"/>
+              </a:ext>
+              <a:ext uri="{C183D7F6-B498-43B3-948B-1728B52AA6E4}">
+                <adec:decorative xmlns:adec="http://schemas.microsoft.com/office/drawing/2017/decorative" val="1"/>
+              </a:ext>
+            </a:extLst>
+          </p:cNvPr>
+          <p:cNvSpPr>
+            <a:spLocks noGrp="1" noRot="1" noChangeAspect="1" noMove="1" noResize="1" noEditPoints="1" noAdjustHandles="1" noChangeArrowheads="1" noChangeShapeType="1" noTextEdit="1"/>
+          </p:cNvSpPr>
+          <p:nvPr>
+            <p:extLst>
+              <p:ext uri="{386F3935-93C4-4BCD-93E2-E3B085C9AB24}">
+                <p16:designElem xmlns:p16="http://schemas.microsoft.com/office/powerpoint/2015/main" val="1"/>
+              </p:ext>
+            </p:extLst>
+          </p:nvPr>
+        </p:nvSpPr>
+        <p:spPr>
+          <a:xfrm>
+            <a:off x="0" y="2207602"/>
+            <a:ext cx="12191999" cy="3162146"/>
+          </a:xfrm>
+          <a:prstGeom prst="rect">
+            <a:avLst/>
+          </a:prstGeom>
+          <a:gradFill flip="none" rotWithShape="1">
+            <a:gsLst>
+              <a:gs pos="0">
+                <a:srgbClr val="000000">
+                  <a:alpha val="0"/>
+                </a:srgbClr>
+              </a:gs>
+              <a:gs pos="25000">
+                <a:srgbClr val="000000">
+                  <a:alpha val="15000"/>
+                </a:srgbClr>
+              </a:gs>
+              <a:gs pos="75000">
+                <a:srgbClr val="000000">
+                  <a:alpha val="15000"/>
+                </a:srgbClr>
+              </a:gs>
+              <a:gs pos="50000">
+                <a:srgbClr val="000000">
+                  <a:alpha val="30000"/>
+                </a:srgbClr>
+              </a:gs>
+              <a:gs pos="100000">
+                <a:srgbClr val="000000">
+                  <a:alpha val="0"/>
+                </a:srgbClr>
+              </a:gs>
+            </a:gsLst>
+            <a:lin ang="16200000" scaled="1"/>
+            <a:tileRect/>
+          </a:gradFill>
+          <a:ln>
+            <a:noFill/>
+          </a:ln>
+        </p:spPr>
+        <p:style>
+          <a:lnRef idx="2">
+            <a:schemeClr val="accent1">
+              <a:shade val="50000"/>
+            </a:schemeClr>
+          </a:lnRef>
+          <a:fillRef idx="1">
+            <a:schemeClr val="accent1"/>
+          </a:fillRef>
+          <a:effectRef idx="0">
+            <a:schemeClr val="accent1"/>
+          </a:effectRef>
+          <a:fontRef idx="minor">
+            <a:schemeClr val="lt1"/>
+          </a:fontRef>
+        </p:style>
+        <p:txBody>
+          <a:bodyPr rtlCol="0" anchor="ctr"/>
+          <a:lstStyle/>
+          <a:p>
+            <a:pPr algn="ctr"/>
+            <a:endParaRPr lang="en-US"/>
+          </a:p>
+        </p:txBody>
+      </p:sp>
+    </p:spTree>
+    <p:extLst>
+      <p:ext uri="{BB962C8B-B14F-4D97-AF65-F5344CB8AC3E}">
+        <p14:creationId xmlns:p14="http://schemas.microsoft.com/office/powerpoint/2010/main" val="1321824191"/>
+      </p:ext>
+    </p:extLst>
+  </p:cSld>
+  <p:clrMapOvr>
+    <a:masterClrMapping/>
+  </p:clrMapOvr>
+</p:sld>
+</file>
+
+<file path=ppt/slides/slide20.xml><?xml version="1.0" encoding="utf-8"?>
 <p:sld xmlns:a="http://schemas.openxmlformats.org/drawingml/2006/main" xmlns:r="http://schemas.openxmlformats.org/officeDocument/2006/relationships" xmlns:p="http://schemas.openxmlformats.org/presentationml/2006/main">
   <p:cSld>
     <p:bg>
@@ -10755,7 +11964,7 @@
 </p:sld>
 </file>
 
-<file path=ppt/slides/slide2.xml><?xml version="1.0" encoding="utf-8"?>
+<file path=ppt/slides/slide3.xml><?xml version="1.0" encoding="utf-8"?>
 <p:sld xmlns:a="http://schemas.openxmlformats.org/drawingml/2006/main" xmlns:r="http://schemas.openxmlformats.org/officeDocument/2006/relationships" xmlns:p="http://schemas.openxmlformats.org/presentationml/2006/main">
   <p:cSld>
     <p:bg>
@@ -11663,7 +12872,7 @@
 </p:sld>
 </file>
 
-<file path=ppt/slides/slide3.xml><?xml version="1.0" encoding="utf-8"?>
+<file path=ppt/slides/slide4.xml><?xml version="1.0" encoding="utf-8"?>
 <p:sld xmlns:a="http://schemas.openxmlformats.org/drawingml/2006/main" xmlns:r="http://schemas.openxmlformats.org/officeDocument/2006/relationships" xmlns:p="http://schemas.openxmlformats.org/presentationml/2006/main">
   <p:cSld>
     <p:bg>
@@ -12457,7 +13666,7 @@
 </p:sld>
 </file>
 
-<file path=ppt/slides/slide4.xml><?xml version="1.0" encoding="utf-8"?>
+<file path=ppt/slides/slide5.xml><?xml version="1.0" encoding="utf-8"?>
 <p:sld xmlns:a="http://schemas.openxmlformats.org/drawingml/2006/main" xmlns:r="http://schemas.openxmlformats.org/officeDocument/2006/relationships" xmlns:p="http://schemas.openxmlformats.org/presentationml/2006/main">
   <p:cSld>
     <p:bg>
@@ -13642,7 +14851,7 @@
 </p:sld>
 </file>
 
-<file path=ppt/slides/slide5.xml><?xml version="1.0" encoding="utf-8"?>
+<file path=ppt/slides/slide6.xml><?xml version="1.0" encoding="utf-8"?>
 <p:sld xmlns:a="http://schemas.openxmlformats.org/drawingml/2006/main" xmlns:r="http://schemas.openxmlformats.org/officeDocument/2006/relationships" xmlns:p="http://schemas.openxmlformats.org/presentationml/2006/main">
   <p:cSld>
     <p:bg>
@@ -14091,7 +15300,7 @@
 </p:sld>
 </file>
 
-<file path=ppt/slides/slide6.xml><?xml version="1.0" encoding="utf-8"?>
+<file path=ppt/slides/slide7.xml><?xml version="1.0" encoding="utf-8"?>
 <p:sld xmlns:a="http://schemas.openxmlformats.org/drawingml/2006/main" xmlns:r="http://schemas.openxmlformats.org/officeDocument/2006/relationships" xmlns:p="http://schemas.openxmlformats.org/presentationml/2006/main">
   <p:cSld>
     <p:bg>
@@ -14717,7 +15926,7 @@
 </p:sld>
 </file>
 
-<file path=ppt/slides/slide7.xml><?xml version="1.0" encoding="utf-8"?>
+<file path=ppt/slides/slide8.xml><?xml version="1.0" encoding="utf-8"?>
 <p:sld xmlns:a="http://schemas.openxmlformats.org/drawingml/2006/main" xmlns:r="http://schemas.openxmlformats.org/officeDocument/2006/relationships" xmlns:p="http://schemas.openxmlformats.org/presentationml/2006/main">
   <p:cSld>
     <p:bg>
@@ -15233,7 +16442,7 @@
 </p:sld>
 </file>
 
-<file path=ppt/slides/slide8.xml><?xml version="1.0" encoding="utf-8"?>
+<file path=ppt/slides/slide9.xml><?xml version="1.0" encoding="utf-8"?>
 <p:sld xmlns:a="http://schemas.openxmlformats.org/drawingml/2006/main" xmlns:r="http://schemas.openxmlformats.org/officeDocument/2006/relationships" xmlns:p="http://schemas.openxmlformats.org/presentationml/2006/main">
   <p:cSld>
     <p:bg>
@@ -15705,575 +16914,6 @@
     <p:extLst>
       <p:ext uri="{BB962C8B-B14F-4D97-AF65-F5344CB8AC3E}">
         <p14:creationId xmlns:p14="http://schemas.microsoft.com/office/powerpoint/2010/main" val="3037658653"/>
-      </p:ext>
-    </p:extLst>
-  </p:cSld>
-  <p:clrMapOvr>
-    <a:masterClrMapping/>
-  </p:clrMapOvr>
-</p:sld>
-</file>
-
-<file path=ppt/slides/slide9.xml><?xml version="1.0" encoding="utf-8"?>
-<p:sld xmlns:a="http://schemas.openxmlformats.org/drawingml/2006/main" xmlns:r="http://schemas.openxmlformats.org/officeDocument/2006/relationships" xmlns:p="http://schemas.openxmlformats.org/presentationml/2006/main">
-  <p:cSld>
-    <p:bg>
-      <p:bgPr>
-        <a:solidFill>
-          <a:schemeClr val="bg1"/>
-        </a:solidFill>
-        <a:effectLst/>
-      </p:bgPr>
-    </p:bg>
-    <p:spTree>
-      <p:nvGrpSpPr>
-        <p:cNvPr id="1" name=""/>
-        <p:cNvGrpSpPr/>
-        <p:nvPr/>
-      </p:nvGrpSpPr>
-      <p:grpSpPr>
-        <a:xfrm>
-          <a:off x="0" y="0"/>
-          <a:ext cx="0" cy="0"/>
-          <a:chOff x="0" y="0"/>
-          <a:chExt cx="0" cy="0"/>
-        </a:xfrm>
-      </p:grpSpPr>
-      <p:pic>
-        <p:nvPicPr>
-          <p:cNvPr id="5" name="Picture 4" descr="A hashtag sign with a blue background">
-            <a:extLst>
-              <a:ext uri="{FF2B5EF4-FFF2-40B4-BE49-F238E27FC236}">
-                <a16:creationId xmlns:a16="http://schemas.microsoft.com/office/drawing/2014/main" id="{1F1A800F-FAA7-DAB1-E1DE-6DB7A15A50A5}"/>
-              </a:ext>
-            </a:extLst>
-          </p:cNvPr>
-          <p:cNvPicPr>
-            <a:picLocks noChangeAspect="1"/>
-          </p:cNvPicPr>
-          <p:nvPr/>
-        </p:nvPicPr>
-        <p:blipFill rotWithShape="1">
-          <a:blip r:embed="rId2"/>
-          <a:srcRect t="16955" b="8045"/>
-          <a:stretch/>
-        </p:blipFill>
-        <p:spPr>
-          <a:xfrm>
-            <a:off x="3" y="10"/>
-            <a:ext cx="12191997" cy="6857988"/>
-          </a:xfrm>
-          <a:prstGeom prst="rect">
-            <a:avLst/>
-          </a:prstGeom>
-        </p:spPr>
-      </p:pic>
-      <p:grpSp>
-        <p:nvGrpSpPr>
-          <p:cNvPr id="9" name="Group 8">
-            <a:extLst>
-              <a:ext uri="{FF2B5EF4-FFF2-40B4-BE49-F238E27FC236}">
-                <a16:creationId xmlns:a16="http://schemas.microsoft.com/office/drawing/2014/main" id="{17F72E41-D8D7-F589-0125-D336DE2AF8BC}"/>
-              </a:ext>
-              <a:ext uri="{C183D7F6-B498-43B3-948B-1728B52AA6E4}">
-                <adec:decorative xmlns:adec="http://schemas.microsoft.com/office/drawing/2017/decorative" val="1"/>
-              </a:ext>
-            </a:extLst>
-          </p:cNvPr>
-          <p:cNvGrpSpPr>
-            <a:grpSpLocks noGrp="1" noUngrp="1" noRot="1" noChangeAspect="1" noMove="1" noResize="1"/>
-          </p:cNvGrpSpPr>
-          <p:nvPr>
-            <p:extLst>
-              <p:ext uri="{386F3935-93C4-4BCD-93E2-E3B085C9AB24}">
-                <p16:designElem xmlns:p16="http://schemas.microsoft.com/office/powerpoint/2015/main" val="1"/>
-              </p:ext>
-            </p:extLst>
-          </p:nvPr>
-        </p:nvGrpSpPr>
-        <p:grpSpPr>
-          <a:xfrm>
-            <a:off x="-14598" y="21736"/>
-            <a:ext cx="12206598" cy="6879745"/>
-            <a:chOff x="-14598" y="21736"/>
-            <a:chExt cx="12206598" cy="6879745"/>
-          </a:xfrm>
-        </p:grpSpPr>
-        <p:sp>
-          <p:nvSpPr>
-            <p:cNvPr id="10" name="Rectangle 9">
-              <a:extLst>
-                <a:ext uri="{FF2B5EF4-FFF2-40B4-BE49-F238E27FC236}">
-                  <a16:creationId xmlns:a16="http://schemas.microsoft.com/office/drawing/2014/main" id="{FC13EADE-3A56-21CF-6809-E58C7DDCBA55}"/>
-                </a:ext>
-                <a:ext uri="{C183D7F6-B498-43B3-948B-1728B52AA6E4}">
-                  <adec:decorative xmlns:adec="http://schemas.microsoft.com/office/drawing/2017/decorative" val="1"/>
-                </a:ext>
-              </a:extLst>
-            </p:cNvPr>
-            <p:cNvSpPr/>
-            <p:nvPr>
-              <p:extLst>
-                <p:ext uri="{386F3935-93C4-4BCD-93E2-E3B085C9AB24}">
-                  <p16:designElem xmlns:p16="http://schemas.microsoft.com/office/powerpoint/2015/main" val="1"/>
-                </p:ext>
-              </p:extLst>
-            </p:nvPr>
-          </p:nvSpPr>
-          <p:spPr>
-            <a:xfrm rot="16200000">
-              <a:off x="4578264" y="-733992"/>
-              <a:ext cx="3020876" cy="12206596"/>
-            </a:xfrm>
-            <a:prstGeom prst="rect">
-              <a:avLst/>
-            </a:prstGeom>
-            <a:gradFill flip="none" rotWithShape="1">
-              <a:gsLst>
-                <a:gs pos="21000">
-                  <a:srgbClr val="000000">
-                    <a:alpha val="62000"/>
-                  </a:srgbClr>
-                </a:gs>
-                <a:gs pos="100000">
-                  <a:srgbClr val="000000">
-                    <a:alpha val="0"/>
-                  </a:srgbClr>
-                </a:gs>
-              </a:gsLst>
-              <a:lin ang="0" scaled="0"/>
-              <a:tileRect/>
-            </a:gradFill>
-            <a:ln>
-              <a:noFill/>
-            </a:ln>
-          </p:spPr>
-          <p:style>
-            <a:lnRef idx="2">
-              <a:schemeClr val="accent1">
-                <a:shade val="50000"/>
-              </a:schemeClr>
-            </a:lnRef>
-            <a:fillRef idx="1">
-              <a:schemeClr val="accent1"/>
-            </a:fillRef>
-            <a:effectRef idx="0">
-              <a:schemeClr val="accent1"/>
-            </a:effectRef>
-            <a:fontRef idx="minor">
-              <a:schemeClr val="lt1"/>
-            </a:fontRef>
-          </p:style>
-          <p:txBody>
-            <a:bodyPr rtlCol="0" anchor="ctr"/>
-            <a:lstStyle/>
-            <a:p>
-              <a:pPr algn="ctr"/>
-              <a:endParaRPr lang="en-US"/>
-            </a:p>
-          </p:txBody>
-        </p:sp>
-        <p:sp>
-          <p:nvSpPr>
-            <p:cNvPr id="23" name="Rectangle 22">
-              <a:extLst>
-                <a:ext uri="{FF2B5EF4-FFF2-40B4-BE49-F238E27FC236}">
-                  <a16:creationId xmlns:a16="http://schemas.microsoft.com/office/drawing/2014/main" id="{8B1EA0F4-FEA8-8A8D-25F3-BCCDA3F4F85E}"/>
-                </a:ext>
-                <a:ext uri="{C183D7F6-B498-43B3-948B-1728B52AA6E4}">
-                  <adec:decorative xmlns:adec="http://schemas.microsoft.com/office/drawing/2017/decorative" val="1"/>
-                </a:ext>
-              </a:extLst>
-            </p:cNvPr>
-            <p:cNvSpPr/>
-            <p:nvPr>
-              <p:extLst>
-                <p:ext uri="{386F3935-93C4-4BCD-93E2-E3B085C9AB24}">
-                  <p16:designElem xmlns:p16="http://schemas.microsoft.com/office/powerpoint/2015/main" val="1"/>
-                </p:ext>
-              </p:extLst>
-            </p:nvPr>
-          </p:nvSpPr>
-          <p:spPr>
-            <a:xfrm rot="10800000">
-              <a:off x="0" y="3832304"/>
-              <a:ext cx="12192000" cy="3055057"/>
-            </a:xfrm>
-            <a:prstGeom prst="rect">
-              <a:avLst/>
-            </a:prstGeom>
-            <a:gradFill flip="none" rotWithShape="1">
-              <a:gsLst>
-                <a:gs pos="0">
-                  <a:schemeClr val="accent5"/>
-                </a:gs>
-                <a:gs pos="75000">
-                  <a:schemeClr val="accent5">
-                    <a:lumMod val="60000"/>
-                    <a:lumOff val="40000"/>
-                    <a:alpha val="0"/>
-                  </a:schemeClr>
-                </a:gs>
-              </a:gsLst>
-              <a:lin ang="5580000" scaled="0"/>
-              <a:tileRect/>
-            </a:gradFill>
-            <a:ln w="12700" cap="flat" cmpd="sng" algn="ctr">
-              <a:noFill/>
-              <a:prstDash val="solid"/>
-              <a:miter lim="800000"/>
-            </a:ln>
-            <a:effectLst/>
-          </p:spPr>
-          <p:style>
-            <a:lnRef idx="2">
-              <a:schemeClr val="accent1">
-                <a:shade val="50000"/>
-              </a:schemeClr>
-            </a:lnRef>
-            <a:fillRef idx="1">
-              <a:schemeClr val="accent1"/>
-            </a:fillRef>
-            <a:effectRef idx="0">
-              <a:schemeClr val="accent1"/>
-            </a:effectRef>
-            <a:fontRef idx="minor">
-              <a:schemeClr val="lt1"/>
-            </a:fontRef>
-          </p:style>
-          <p:txBody>
-            <a:bodyPr rtlCol="0" anchor="ctr"/>
-            <a:lstStyle/>
-            <a:p>
-              <a:pPr algn="r"/>
-              <a:endParaRPr lang="en-US"/>
-            </a:p>
-          </p:txBody>
-        </p:sp>
-        <p:sp>
-          <p:nvSpPr>
-            <p:cNvPr id="24" name="Rectangle 23">
-              <a:extLst>
-                <a:ext uri="{FF2B5EF4-FFF2-40B4-BE49-F238E27FC236}">
-                  <a16:creationId xmlns:a16="http://schemas.microsoft.com/office/drawing/2014/main" id="{DD3842CE-80A1-1110-8DDA-D6F18BE0C634}"/>
-                </a:ext>
-                <a:ext uri="{C183D7F6-B498-43B3-948B-1728B52AA6E4}">
-                  <adec:decorative xmlns:adec="http://schemas.microsoft.com/office/drawing/2017/decorative" val="1"/>
-                </a:ext>
-              </a:extLst>
-            </p:cNvPr>
-            <p:cNvSpPr/>
-            <p:nvPr>
-              <p:extLst>
-                <p:ext uri="{386F3935-93C4-4BCD-93E2-E3B085C9AB24}">
-                  <p16:designElem xmlns:p16="http://schemas.microsoft.com/office/powerpoint/2015/main" val="1"/>
-                </p:ext>
-              </p:extLst>
-            </p:nvPr>
-          </p:nvSpPr>
-          <p:spPr>
-            <a:xfrm rot="10800000">
-              <a:off x="7617204" y="1610686"/>
-              <a:ext cx="4574794" cy="5290794"/>
-            </a:xfrm>
-            <a:prstGeom prst="rect">
-              <a:avLst/>
-            </a:prstGeom>
-            <a:gradFill flip="none" rotWithShape="1">
-              <a:gsLst>
-                <a:gs pos="5000">
-                  <a:schemeClr val="accent2"/>
-                </a:gs>
-                <a:gs pos="49000">
-                  <a:schemeClr val="accent5">
-                    <a:lumMod val="60000"/>
-                    <a:lumOff val="40000"/>
-                    <a:alpha val="0"/>
-                  </a:schemeClr>
-                </a:gs>
-              </a:gsLst>
-              <a:lin ang="2400000" scaled="0"/>
-              <a:tileRect/>
-            </a:gradFill>
-            <a:ln>
-              <a:noFill/>
-            </a:ln>
-          </p:spPr>
-          <p:style>
-            <a:lnRef idx="2">
-              <a:schemeClr val="accent1">
-                <a:shade val="50000"/>
-              </a:schemeClr>
-            </a:lnRef>
-            <a:fillRef idx="1">
-              <a:schemeClr val="accent1"/>
-            </a:fillRef>
-            <a:effectRef idx="0">
-              <a:schemeClr val="accent1"/>
-            </a:effectRef>
-            <a:fontRef idx="minor">
-              <a:schemeClr val="lt1"/>
-            </a:fontRef>
-          </p:style>
-          <p:txBody>
-            <a:bodyPr rtlCol="0" anchor="ctr"/>
-            <a:lstStyle/>
-            <a:p>
-              <a:pPr algn="ctr"/>
-              <a:endParaRPr lang="en-US"/>
-            </a:p>
-          </p:txBody>
-        </p:sp>
-        <p:sp>
-          <p:nvSpPr>
-            <p:cNvPr id="25" name="Rectangle 24">
-              <a:extLst>
-                <a:ext uri="{FF2B5EF4-FFF2-40B4-BE49-F238E27FC236}">
-                  <a16:creationId xmlns:a16="http://schemas.microsoft.com/office/drawing/2014/main" id="{31C9318B-F00C-0365-EC3A-B46DF3523B6C}"/>
-                </a:ext>
-                <a:ext uri="{C183D7F6-B498-43B3-948B-1728B52AA6E4}">
-                  <adec:decorative xmlns:adec="http://schemas.microsoft.com/office/drawing/2017/decorative" val="1"/>
-                </a:ext>
-              </a:extLst>
-            </p:cNvPr>
-            <p:cNvSpPr/>
-            <p:nvPr>
-              <p:extLst>
-                <p:ext uri="{386F3935-93C4-4BCD-93E2-E3B085C9AB24}">
-                  <p16:designElem xmlns:p16="http://schemas.microsoft.com/office/powerpoint/2015/main" val="1"/>
-                </p:ext>
-              </p:extLst>
-            </p:nvPr>
-          </p:nvSpPr>
-          <p:spPr>
-            <a:xfrm rot="10800000">
-              <a:off x="-14597" y="21736"/>
-              <a:ext cx="3585523" cy="6879745"/>
-            </a:xfrm>
-            <a:prstGeom prst="rect">
-              <a:avLst/>
-            </a:prstGeom>
-            <a:gradFill flip="none" rotWithShape="1">
-              <a:gsLst>
-                <a:gs pos="5000">
-                  <a:schemeClr val="accent2"/>
-                </a:gs>
-                <a:gs pos="49000">
-                  <a:schemeClr val="accent5">
-                    <a:lumMod val="60000"/>
-                    <a:lumOff val="40000"/>
-                    <a:alpha val="0"/>
-                  </a:schemeClr>
-                </a:gs>
-              </a:gsLst>
-              <a:lin ang="9600000" scaled="0"/>
-              <a:tileRect/>
-            </a:gradFill>
-            <a:ln>
-              <a:noFill/>
-            </a:ln>
-          </p:spPr>
-          <p:style>
-            <a:lnRef idx="2">
-              <a:schemeClr val="accent1">
-                <a:shade val="50000"/>
-              </a:schemeClr>
-            </a:lnRef>
-            <a:fillRef idx="1">
-              <a:schemeClr val="accent1"/>
-            </a:fillRef>
-            <a:effectRef idx="0">
-              <a:schemeClr val="accent1"/>
-            </a:effectRef>
-            <a:fontRef idx="minor">
-              <a:schemeClr val="lt1"/>
-            </a:fontRef>
-          </p:style>
-          <p:txBody>
-            <a:bodyPr rtlCol="0" anchor="ctr"/>
-            <a:lstStyle/>
-            <a:p>
-              <a:pPr algn="ctr"/>
-              <a:endParaRPr lang="en-US"/>
-            </a:p>
-          </p:txBody>
-        </p:sp>
-        <p:sp>
-          <p:nvSpPr>
-            <p:cNvPr id="26" name="Rectangle 25">
-              <a:extLst>
-                <a:ext uri="{FF2B5EF4-FFF2-40B4-BE49-F238E27FC236}">
-                  <a16:creationId xmlns:a16="http://schemas.microsoft.com/office/drawing/2014/main" id="{7E92A2C8-D25D-5522-FFDD-CF5793AEFC7F}"/>
-                </a:ext>
-                <a:ext uri="{C183D7F6-B498-43B3-948B-1728B52AA6E4}">
-                  <adec:decorative xmlns:adec="http://schemas.microsoft.com/office/drawing/2017/decorative" val="1"/>
-                </a:ext>
-              </a:extLst>
-            </p:cNvPr>
-            <p:cNvSpPr/>
-            <p:nvPr>
-              <p:extLst>
-                <p:ext uri="{386F3935-93C4-4BCD-93E2-E3B085C9AB24}">
-                  <p16:designElem xmlns:p16="http://schemas.microsoft.com/office/powerpoint/2015/main" val="1"/>
-                </p:ext>
-              </p:extLst>
-            </p:nvPr>
-          </p:nvSpPr>
-          <p:spPr>
-            <a:xfrm rot="5400000">
-              <a:off x="806026" y="1712428"/>
-              <a:ext cx="4354310" cy="5995557"/>
-            </a:xfrm>
-            <a:prstGeom prst="rect">
-              <a:avLst/>
-            </a:prstGeom>
-            <a:gradFill flip="none" rotWithShape="1">
-              <a:gsLst>
-                <a:gs pos="0">
-                  <a:schemeClr val="accent5">
-                    <a:lumMod val="60000"/>
-                    <a:lumOff val="40000"/>
-                  </a:schemeClr>
-                </a:gs>
-                <a:gs pos="54000">
-                  <a:schemeClr val="accent2">
-                    <a:alpha val="0"/>
-                  </a:schemeClr>
-                </a:gs>
-              </a:gsLst>
-              <a:path path="circle">
-                <a:fillToRect l="100000" t="100000"/>
-              </a:path>
-              <a:tileRect r="-100000" b="-100000"/>
-            </a:gradFill>
-            <a:ln>
-              <a:noFill/>
-            </a:ln>
-          </p:spPr>
-          <p:style>
-            <a:lnRef idx="2">
-              <a:schemeClr val="accent1">
-                <a:shade val="50000"/>
-              </a:schemeClr>
-            </a:lnRef>
-            <a:fillRef idx="1">
-              <a:schemeClr val="accent1"/>
-            </a:fillRef>
-            <a:effectRef idx="0">
-              <a:schemeClr val="accent1"/>
-            </a:effectRef>
-            <a:fontRef idx="minor">
-              <a:schemeClr val="lt1"/>
-            </a:fontRef>
-          </p:style>
-          <p:txBody>
-            <a:bodyPr rtlCol="0" anchor="ctr"/>
-            <a:lstStyle/>
-            <a:p>
-              <a:pPr algn="ctr"/>
-              <a:endParaRPr lang="en-US"/>
-            </a:p>
-          </p:txBody>
-        </p:sp>
-      </p:grpSp>
-      <p:sp>
-        <p:nvSpPr>
-          <p:cNvPr id="2" name="Title 1">
-            <a:extLst>
-              <a:ext uri="{FF2B5EF4-FFF2-40B4-BE49-F238E27FC236}">
-                <a16:creationId xmlns:a16="http://schemas.microsoft.com/office/drawing/2014/main" id="{E1A39C8A-2589-9783-EEEA-739D04A3F92A}"/>
-              </a:ext>
-            </a:extLst>
-          </p:cNvPr>
-          <p:cNvSpPr>
-            <a:spLocks noGrp="1"/>
-          </p:cNvSpPr>
-          <p:nvPr>
-            <p:ph type="title"/>
-          </p:nvPr>
-        </p:nvSpPr>
-        <p:spPr>
-          <a:xfrm>
-            <a:off x="838200" y="4693447"/>
-            <a:ext cx="10141040" cy="1126109"/>
-          </a:xfrm>
-        </p:spPr>
-        <p:txBody>
-          <a:bodyPr vert="horz" lIns="91440" tIns="45720" rIns="91440" bIns="45720" rtlCol="0" anchor="b">
-            <a:noAutofit/>
-          </a:bodyPr>
-          <a:lstStyle/>
-          <a:p>
-            <a:r>
-              <a:rPr lang="en-US" sz="8800" dirty="0">
-                <a:solidFill>
-                  <a:srgbClr val="FFFFFF"/>
-                </a:solidFill>
-              </a:rPr>
-              <a:t>Three</a:t>
-            </a:r>
-          </a:p>
-        </p:txBody>
-      </p:sp>
-      <p:sp>
-        <p:nvSpPr>
-          <p:cNvPr id="3" name="Text Placeholder 2">
-            <a:extLst>
-              <a:ext uri="{FF2B5EF4-FFF2-40B4-BE49-F238E27FC236}">
-                <a16:creationId xmlns:a16="http://schemas.microsoft.com/office/drawing/2014/main" id="{CBB25501-51A8-D2F2-1B6E-73220BF9115C}"/>
-              </a:ext>
-            </a:extLst>
-          </p:cNvPr>
-          <p:cNvSpPr>
-            <a:spLocks noGrp="1"/>
-          </p:cNvSpPr>
-          <p:nvPr>
-            <p:ph type="body" idx="1"/>
-          </p:nvPr>
-        </p:nvSpPr>
-        <p:spPr>
-          <a:xfrm>
-            <a:off x="838200" y="5829303"/>
-            <a:ext cx="10141040" cy="476251"/>
-          </a:xfrm>
-        </p:spPr>
-        <p:txBody>
-          <a:bodyPr vert="horz" lIns="91440" tIns="45720" rIns="91440" bIns="45720" rtlCol="0">
-            <a:normAutofit fontScale="92500" lnSpcReduction="10000"/>
-          </a:bodyPr>
-          <a:lstStyle/>
-          <a:p>
-            <a:r>
-              <a:rPr lang="en-US" sz="3200" dirty="0">
-                <a:solidFill>
-                  <a:srgbClr val="CCCCCC"/>
-                </a:solidFill>
-              </a:rPr>
-              <a:t>N</a:t>
-            </a:r>
-            <a:r>
-              <a:rPr lang="en-US" sz="3200" b="0" dirty="0">
-                <a:solidFill>
-                  <a:srgbClr val="CCCCCC"/>
-                </a:solidFill>
-                <a:effectLst/>
-              </a:rPr>
-              <a:t>ationality acquisition rates for the years 2010-2020?</a:t>
-            </a:r>
-          </a:p>
-          <a:p>
-            <a:endParaRPr lang="en-US" sz="2000" dirty="0">
-              <a:solidFill>
-                <a:srgbClr val="FFFFFF"/>
-              </a:solidFill>
-            </a:endParaRPr>
-          </a:p>
-        </p:txBody>
-      </p:sp>
-    </p:spTree>
-    <p:extLst>
-      <p:ext uri="{BB962C8B-B14F-4D97-AF65-F5344CB8AC3E}">
-        <p14:creationId xmlns:p14="http://schemas.microsoft.com/office/powerpoint/2010/main" val="3111246558"/>
       </p:ext>
     </p:extLst>
   </p:cSld>
